--- a/DaoCongDoan_2020606492_BaoVeDoAn.pptx
+++ b/DaoCongDoan_2020606492_BaoVeDoAn.pptx
@@ -1103,7 +1103,7 @@
           <a:p>
             <a:fld id="{70DCC90E-6EF9-45AB-90B1-CEB1C02E584D}" type="datetimeFigureOut">
               <a:rPr lang="en-US" smtClean="0"/>
-              <a:t>5/25/2024</a:t>
+              <a:t>5/28/2024</a:t>
             </a:fld>
             <a:endParaRPr lang="en-US"/>
           </a:p>
@@ -1314,7 +1314,7 @@
           <a:p>
             <a:fld id="{70DCC90E-6EF9-45AB-90B1-CEB1C02E584D}" type="datetimeFigureOut">
               <a:rPr lang="en-US" smtClean="0"/>
-              <a:t>5/25/2024</a:t>
+              <a:t>5/28/2024</a:t>
             </a:fld>
             <a:endParaRPr lang="en-US"/>
           </a:p>
@@ -1529,7 +1529,7 @@
           <a:p>
             <a:fld id="{70DCC90E-6EF9-45AB-90B1-CEB1C02E584D}" type="datetimeFigureOut">
               <a:rPr lang="en-US" smtClean="0"/>
-              <a:t>5/25/2024</a:t>
+              <a:t>5/28/2024</a:t>
             </a:fld>
             <a:endParaRPr lang="en-US"/>
           </a:p>
@@ -1730,7 +1730,7 @@
           <a:p>
             <a:fld id="{70DCC90E-6EF9-45AB-90B1-CEB1C02E584D}" type="datetimeFigureOut">
               <a:rPr lang="en-US" smtClean="0"/>
-              <a:t>5/25/2024</a:t>
+              <a:t>5/28/2024</a:t>
             </a:fld>
             <a:endParaRPr lang="en-US"/>
           </a:p>
@@ -2009,7 +2009,7 @@
           <a:p>
             <a:fld id="{70DCC90E-6EF9-45AB-90B1-CEB1C02E584D}" type="datetimeFigureOut">
               <a:rPr lang="en-US" smtClean="0"/>
-              <a:t>5/25/2024</a:t>
+              <a:t>5/28/2024</a:t>
             </a:fld>
             <a:endParaRPr lang="en-US"/>
           </a:p>
@@ -2277,7 +2277,7 @@
           <a:p>
             <a:fld id="{70DCC90E-6EF9-45AB-90B1-CEB1C02E584D}" type="datetimeFigureOut">
               <a:rPr lang="en-US" smtClean="0"/>
-              <a:t>5/25/2024</a:t>
+              <a:t>5/28/2024</a:t>
             </a:fld>
             <a:endParaRPr lang="en-US"/>
           </a:p>
@@ -2693,7 +2693,7 @@
           <a:p>
             <a:fld id="{70DCC90E-6EF9-45AB-90B1-CEB1C02E584D}" type="datetimeFigureOut">
               <a:rPr lang="en-US" smtClean="0"/>
-              <a:t>5/25/2024</a:t>
+              <a:t>5/28/2024</a:t>
             </a:fld>
             <a:endParaRPr lang="en-US"/>
           </a:p>
@@ -2842,7 +2842,7 @@
           <a:p>
             <a:fld id="{70DCC90E-6EF9-45AB-90B1-CEB1C02E584D}" type="datetimeFigureOut">
               <a:rPr lang="en-US" smtClean="0"/>
-              <a:t>5/25/2024</a:t>
+              <a:t>5/28/2024</a:t>
             </a:fld>
             <a:endParaRPr lang="en-US"/>
           </a:p>
@@ -2968,7 +2968,7 @@
           <a:p>
             <a:fld id="{70DCC90E-6EF9-45AB-90B1-CEB1C02E584D}" type="datetimeFigureOut">
               <a:rPr lang="en-US" smtClean="0"/>
-              <a:t>5/25/2024</a:t>
+              <a:t>5/28/2024</a:t>
             </a:fld>
             <a:endParaRPr lang="en-US"/>
           </a:p>
@@ -3219,7 +3219,7 @@
           <a:p>
             <a:fld id="{70DCC90E-6EF9-45AB-90B1-CEB1C02E584D}" type="datetimeFigureOut">
               <a:rPr lang="en-US" smtClean="0"/>
-              <a:t>5/25/2024</a:t>
+              <a:t>5/28/2024</a:t>
             </a:fld>
             <a:endParaRPr lang="en-US"/>
           </a:p>
@@ -3664,7 +3664,7 @@
           <a:p>
             <a:fld id="{70DCC90E-6EF9-45AB-90B1-CEB1C02E584D}" type="datetimeFigureOut">
               <a:rPr lang="en-US" smtClean="0"/>
-              <a:t>5/25/2024</a:t>
+              <a:t>5/28/2024</a:t>
             </a:fld>
             <a:endParaRPr lang="en-US"/>
           </a:p>
@@ -3991,7 +3991,7 @@
           <a:p>
             <a:fld id="{70DCC90E-6EF9-45AB-90B1-CEB1C02E584D}" type="datetimeFigureOut">
               <a:rPr lang="en-US" smtClean="0"/>
-              <a:t>5/25/2024</a:t>
+              <a:t>5/28/2024</a:t>
             </a:fld>
             <a:endParaRPr lang="en-US"/>
           </a:p>
@@ -8710,7 +8710,7 @@
                             </p:stCondLst>
                             <p:childTnLst>
                               <p:par>
-                                <p:cTn id="5" presetID="14" presetClass="entr" presetSubtype="10" fill="hold" nodeType="clickEffect">
+                                <p:cTn id="5" presetID="10" presetClass="entr" presetSubtype="0" fill="hold" nodeType="clickEffect">
                                   <p:stCondLst>
                                     <p:cond delay="0"/>
                                   </p:stCondLst>
@@ -8733,11 +8733,269 @@
                                         <p:strVal val="visible"/>
                                       </p:to>
                                     </p:set>
-                                    <p:animEffect transition="in" filter="randombar(horizontal)">
+                                    <p:animEffect transition="in" filter="fade">
                                       <p:cBhvr>
                                         <p:cTn id="7" dur="500"/>
                                         <p:tgtEl>
                                           <p:spTgt spid="4"/>
+                                        </p:tgtEl>
+                                      </p:cBhvr>
+                                    </p:animEffect>
+                                  </p:childTnLst>
+                                </p:cTn>
+                              </p:par>
+                            </p:childTnLst>
+                          </p:cTn>
+                        </p:par>
+                      </p:childTnLst>
+                    </p:cTn>
+                  </p:par>
+                  <p:par>
+                    <p:cTn id="8" fill="hold">
+                      <p:stCondLst>
+                        <p:cond delay="indefinite"/>
+                      </p:stCondLst>
+                      <p:childTnLst>
+                        <p:par>
+                          <p:cTn id="9" fill="hold">
+                            <p:stCondLst>
+                              <p:cond delay="0"/>
+                            </p:stCondLst>
+                            <p:childTnLst>
+                              <p:par>
+                                <p:cTn id="10" presetID="42" presetClass="entr" presetSubtype="0" fill="hold" nodeType="clickEffect">
+                                  <p:stCondLst>
+                                    <p:cond delay="0"/>
+                                  </p:stCondLst>
+                                  <p:childTnLst>
+                                    <p:set>
+                                      <p:cBhvr>
+                                        <p:cTn id="11" dur="1" fill="hold">
+                                          <p:stCondLst>
+                                            <p:cond delay="0"/>
+                                          </p:stCondLst>
+                                        </p:cTn>
+                                        <p:tgtEl>
+                                          <p:spTgt spid="17"/>
+                                        </p:tgtEl>
+                                        <p:attrNameLst>
+                                          <p:attrName>style.visibility</p:attrName>
+                                        </p:attrNameLst>
+                                      </p:cBhvr>
+                                      <p:to>
+                                        <p:strVal val="visible"/>
+                                      </p:to>
+                                    </p:set>
+                                    <p:animEffect transition="in" filter="fade">
+                                      <p:cBhvr>
+                                        <p:cTn id="12" dur="1000"/>
+                                        <p:tgtEl>
+                                          <p:spTgt spid="17"/>
+                                        </p:tgtEl>
+                                      </p:cBhvr>
+                                    </p:animEffect>
+                                    <p:anim calcmode="lin" valueType="num">
+                                      <p:cBhvr>
+                                        <p:cTn id="13" dur="1000" fill="hold"/>
+                                        <p:tgtEl>
+                                          <p:spTgt spid="17"/>
+                                        </p:tgtEl>
+                                        <p:attrNameLst>
+                                          <p:attrName>ppt_x</p:attrName>
+                                        </p:attrNameLst>
+                                      </p:cBhvr>
+                                      <p:tavLst>
+                                        <p:tav tm="0">
+                                          <p:val>
+                                            <p:strVal val="#ppt_x"/>
+                                          </p:val>
+                                        </p:tav>
+                                        <p:tav tm="100000">
+                                          <p:val>
+                                            <p:strVal val="#ppt_x"/>
+                                          </p:val>
+                                        </p:tav>
+                                      </p:tavLst>
+                                    </p:anim>
+                                    <p:anim calcmode="lin" valueType="num">
+                                      <p:cBhvr>
+                                        <p:cTn id="14" dur="1000" fill="hold"/>
+                                        <p:tgtEl>
+                                          <p:spTgt spid="17"/>
+                                        </p:tgtEl>
+                                        <p:attrNameLst>
+                                          <p:attrName>ppt_y</p:attrName>
+                                        </p:attrNameLst>
+                                      </p:cBhvr>
+                                      <p:tavLst>
+                                        <p:tav tm="0">
+                                          <p:val>
+                                            <p:strVal val="#ppt_y+.1"/>
+                                          </p:val>
+                                        </p:tav>
+                                        <p:tav tm="100000">
+                                          <p:val>
+                                            <p:strVal val="#ppt_y"/>
+                                          </p:val>
+                                        </p:tav>
+                                      </p:tavLst>
+                                    </p:anim>
+                                  </p:childTnLst>
+                                </p:cTn>
+                              </p:par>
+                            </p:childTnLst>
+                          </p:cTn>
+                        </p:par>
+                      </p:childTnLst>
+                    </p:cTn>
+                  </p:par>
+                  <p:par>
+                    <p:cTn id="15" fill="hold">
+                      <p:stCondLst>
+                        <p:cond delay="indefinite"/>
+                      </p:stCondLst>
+                      <p:childTnLst>
+                        <p:par>
+                          <p:cTn id="16" fill="hold">
+                            <p:stCondLst>
+                              <p:cond delay="0"/>
+                            </p:stCondLst>
+                            <p:childTnLst>
+                              <p:par>
+                                <p:cTn id="17" presetID="16" presetClass="entr" presetSubtype="21" fill="hold" nodeType="clickEffect">
+                                  <p:stCondLst>
+                                    <p:cond delay="0"/>
+                                  </p:stCondLst>
+                                  <p:childTnLst>
+                                    <p:set>
+                                      <p:cBhvr>
+                                        <p:cTn id="18" dur="1" fill="hold">
+                                          <p:stCondLst>
+                                            <p:cond delay="0"/>
+                                          </p:stCondLst>
+                                        </p:cTn>
+                                        <p:tgtEl>
+                                          <p:spTgt spid="11"/>
+                                        </p:tgtEl>
+                                        <p:attrNameLst>
+                                          <p:attrName>style.visibility</p:attrName>
+                                        </p:attrNameLst>
+                                      </p:cBhvr>
+                                      <p:to>
+                                        <p:strVal val="visible"/>
+                                      </p:to>
+                                    </p:set>
+                                    <p:animEffect transition="in" filter="barn(inVertical)">
+                                      <p:cBhvr>
+                                        <p:cTn id="19" dur="500"/>
+                                        <p:tgtEl>
+                                          <p:spTgt spid="11"/>
+                                        </p:tgtEl>
+                                      </p:cBhvr>
+                                    </p:animEffect>
+                                  </p:childTnLst>
+                                </p:cTn>
+                              </p:par>
+                            </p:childTnLst>
+                          </p:cTn>
+                        </p:par>
+                      </p:childTnLst>
+                    </p:cTn>
+                  </p:par>
+                  <p:par>
+                    <p:cTn id="20" fill="hold">
+                      <p:stCondLst>
+                        <p:cond delay="indefinite"/>
+                      </p:stCondLst>
+                      <p:childTnLst>
+                        <p:par>
+                          <p:cTn id="21" fill="hold">
+                            <p:stCondLst>
+                              <p:cond delay="0"/>
+                            </p:stCondLst>
+                            <p:childTnLst>
+                              <p:par>
+                                <p:cTn id="22" presetID="6" presetClass="entr" presetSubtype="16" fill="hold" grpId="0" nodeType="clickEffect">
+                                  <p:stCondLst>
+                                    <p:cond delay="0"/>
+                                  </p:stCondLst>
+                                  <p:childTnLst>
+                                    <p:set>
+                                      <p:cBhvr>
+                                        <p:cTn id="23" dur="1" fill="hold">
+                                          <p:stCondLst>
+                                            <p:cond delay="0"/>
+                                          </p:stCondLst>
+                                        </p:cTn>
+                                        <p:tgtEl>
+                                          <p:spTgt spid="19"/>
+                                        </p:tgtEl>
+                                        <p:attrNameLst>
+                                          <p:attrName>style.visibility</p:attrName>
+                                        </p:attrNameLst>
+                                      </p:cBhvr>
+                                      <p:to>
+                                        <p:strVal val="visible"/>
+                                      </p:to>
+                                    </p:set>
+                                    <p:animEffect transition="in" filter="circle(in)">
+                                      <p:cBhvr>
+                                        <p:cTn id="24" dur="2000"/>
+                                        <p:tgtEl>
+                                          <p:spTgt spid="19"/>
+                                        </p:tgtEl>
+                                      </p:cBhvr>
+                                    </p:animEffect>
+                                  </p:childTnLst>
+                                </p:cTn>
+                              </p:par>
+                            </p:childTnLst>
+                          </p:cTn>
+                        </p:par>
+                      </p:childTnLst>
+                    </p:cTn>
+                  </p:par>
+                  <p:par>
+                    <p:cTn id="25" fill="hold">
+                      <p:stCondLst>
+                        <p:cond delay="indefinite"/>
+                      </p:stCondLst>
+                      <p:childTnLst>
+                        <p:par>
+                          <p:cTn id="26" fill="hold">
+                            <p:stCondLst>
+                              <p:cond delay="0"/>
+                            </p:stCondLst>
+                            <p:childTnLst>
+                              <p:par>
+                                <p:cTn id="27" presetID="6" presetClass="entr" presetSubtype="16" fill="hold" grpId="0" nodeType="clickEffect">
+                                  <p:stCondLst>
+                                    <p:cond delay="0"/>
+                                  </p:stCondLst>
+                                  <p:childTnLst>
+                                    <p:set>
+                                      <p:cBhvr>
+                                        <p:cTn id="28" dur="1" fill="hold">
+                                          <p:stCondLst>
+                                            <p:cond delay="0"/>
+                                          </p:stCondLst>
+                                        </p:cTn>
+                                        <p:tgtEl>
+                                          <p:spTgt spid="20"/>
+                                        </p:tgtEl>
+                                        <p:attrNameLst>
+                                          <p:attrName>style.visibility</p:attrName>
+                                        </p:attrNameLst>
+                                      </p:cBhvr>
+                                      <p:to>
+                                        <p:strVal val="visible"/>
+                                      </p:to>
+                                    </p:set>
+                                    <p:animEffect transition="in" filter="circle(in)">
+                                      <p:cBhvr>
+                                        <p:cTn id="29" dur="2000"/>
+                                        <p:tgtEl>
+                                          <p:spTgt spid="20"/>
                                         </p:tgtEl>
                                       </p:cBhvr>
                                     </p:animEffect>
@@ -8771,6 +9029,10 @@
         </p:cTn>
       </p:par>
     </p:tnLst>
+    <p:bldLst>
+      <p:bldP spid="19" grpId="0" animBg="1"/>
+      <p:bldP spid="20" grpId="0"/>
+    </p:bldLst>
   </p:timing>
 </p:sld>
 </file>
